--- a/figures/ppt2.pptx
+++ b/figures/ppt2.pptx
@@ -271,7 +271,7 @@
           <a:p>
             <a:fld id="{6E2F875C-AAF5-43A6-8DB1-78AD4C1DB883}" type="datetimeFigureOut">
               <a:rPr lang="en-US" smtClean="0"/>
-              <a:t>12/7/2020</a:t>
+              <a:t>13/7/2020</a:t>
             </a:fld>
             <a:endParaRPr lang="en-US"/>
           </a:p>
@@ -469,7 +469,7 @@
           <a:p>
             <a:fld id="{6E2F875C-AAF5-43A6-8DB1-78AD4C1DB883}" type="datetimeFigureOut">
               <a:rPr lang="en-US" smtClean="0"/>
-              <a:t>12/7/2020</a:t>
+              <a:t>13/7/2020</a:t>
             </a:fld>
             <a:endParaRPr lang="en-US"/>
           </a:p>
@@ -677,7 +677,7 @@
           <a:p>
             <a:fld id="{6E2F875C-AAF5-43A6-8DB1-78AD4C1DB883}" type="datetimeFigureOut">
               <a:rPr lang="en-US" smtClean="0"/>
-              <a:t>12/7/2020</a:t>
+              <a:t>13/7/2020</a:t>
             </a:fld>
             <a:endParaRPr lang="en-US"/>
           </a:p>
@@ -875,7 +875,7 @@
           <a:p>
             <a:fld id="{6E2F875C-AAF5-43A6-8DB1-78AD4C1DB883}" type="datetimeFigureOut">
               <a:rPr lang="en-US" smtClean="0"/>
-              <a:t>12/7/2020</a:t>
+              <a:t>13/7/2020</a:t>
             </a:fld>
             <a:endParaRPr lang="en-US"/>
           </a:p>
@@ -1150,7 +1150,7 @@
           <a:p>
             <a:fld id="{6E2F875C-AAF5-43A6-8DB1-78AD4C1DB883}" type="datetimeFigureOut">
               <a:rPr lang="en-US" smtClean="0"/>
-              <a:t>12/7/2020</a:t>
+              <a:t>13/7/2020</a:t>
             </a:fld>
             <a:endParaRPr lang="en-US"/>
           </a:p>
@@ -1415,7 +1415,7 @@
           <a:p>
             <a:fld id="{6E2F875C-AAF5-43A6-8DB1-78AD4C1DB883}" type="datetimeFigureOut">
               <a:rPr lang="en-US" smtClean="0"/>
-              <a:t>12/7/2020</a:t>
+              <a:t>13/7/2020</a:t>
             </a:fld>
             <a:endParaRPr lang="en-US"/>
           </a:p>
@@ -1827,7 +1827,7 @@
           <a:p>
             <a:fld id="{6E2F875C-AAF5-43A6-8DB1-78AD4C1DB883}" type="datetimeFigureOut">
               <a:rPr lang="en-US" smtClean="0"/>
-              <a:t>12/7/2020</a:t>
+              <a:t>13/7/2020</a:t>
             </a:fld>
             <a:endParaRPr lang="en-US"/>
           </a:p>
@@ -1968,7 +1968,7 @@
           <a:p>
             <a:fld id="{6E2F875C-AAF5-43A6-8DB1-78AD4C1DB883}" type="datetimeFigureOut">
               <a:rPr lang="en-US" smtClean="0"/>
-              <a:t>12/7/2020</a:t>
+              <a:t>13/7/2020</a:t>
             </a:fld>
             <a:endParaRPr lang="en-US"/>
           </a:p>
@@ -2081,7 +2081,7 @@
           <a:p>
             <a:fld id="{6E2F875C-AAF5-43A6-8DB1-78AD4C1DB883}" type="datetimeFigureOut">
               <a:rPr lang="en-US" smtClean="0"/>
-              <a:t>12/7/2020</a:t>
+              <a:t>13/7/2020</a:t>
             </a:fld>
             <a:endParaRPr lang="en-US"/>
           </a:p>
@@ -2392,7 +2392,7 @@
           <a:p>
             <a:fld id="{6E2F875C-AAF5-43A6-8DB1-78AD4C1DB883}" type="datetimeFigureOut">
               <a:rPr lang="en-US" smtClean="0"/>
-              <a:t>12/7/2020</a:t>
+              <a:t>13/7/2020</a:t>
             </a:fld>
             <a:endParaRPr lang="en-US"/>
           </a:p>
@@ -2680,7 +2680,7 @@
           <a:p>
             <a:fld id="{6E2F875C-AAF5-43A6-8DB1-78AD4C1DB883}" type="datetimeFigureOut">
               <a:rPr lang="en-US" smtClean="0"/>
-              <a:t>12/7/2020</a:t>
+              <a:t>13/7/2020</a:t>
             </a:fld>
             <a:endParaRPr lang="en-US"/>
           </a:p>
@@ -2921,7 +2921,7 @@
           <a:p>
             <a:fld id="{6E2F875C-AAF5-43A6-8DB1-78AD4C1DB883}" type="datetimeFigureOut">
               <a:rPr lang="en-US" smtClean="0"/>
-              <a:t>12/7/2020</a:t>
+              <a:t>13/7/2020</a:t>
             </a:fld>
             <a:endParaRPr lang="en-US"/>
           </a:p>
@@ -3340,10 +3340,10 @@
       </p:grpSpPr>
       <p:pic>
         <p:nvPicPr>
-          <p:cNvPr id="3" name="Picture 2">
-            <a:extLst>
-              <a:ext uri="{FF2B5EF4-FFF2-40B4-BE49-F238E27FC236}">
-                <a16:creationId xmlns:a16="http://schemas.microsoft.com/office/drawing/2014/main" id="{8049EA45-675C-4B59-8EAD-77C78910D35B}"/>
+          <p:cNvPr id="2" name="Picture 1" descr="A picture containing map, text, table, computer&#10;&#10;Description automatically generated">
+            <a:extLst>
+              <a:ext uri="{FF2B5EF4-FFF2-40B4-BE49-F238E27FC236}">
+                <a16:creationId xmlns:a16="http://schemas.microsoft.com/office/drawing/2014/main" id="{34B6257A-040C-48B9-80E9-5D444740E0BE}"/>
               </a:ext>
             </a:extLst>
           </p:cNvPr>
@@ -3366,8 +3366,8 @@
         </p:blipFill>
         <p:spPr>
           <a:xfrm>
-            <a:off x="296984" y="511287"/>
-            <a:ext cx="12192000" cy="6022994"/>
+            <a:off x="0" y="27701"/>
+            <a:ext cx="12192000" cy="6802597"/>
           </a:xfrm>
           <a:prstGeom prst="rect">
             <a:avLst/>
@@ -3388,7 +3388,7 @@
         </p:nvSpPr>
         <p:spPr>
           <a:xfrm>
-            <a:off x="822177" y="5137689"/>
+            <a:off x="169034" y="1284146"/>
             <a:ext cx="436099" cy="411233"/>
           </a:xfrm>
           <a:prstGeom prst="ellipse">
@@ -3447,7 +3447,7 @@
         </p:nvSpPr>
         <p:spPr>
           <a:xfrm>
-            <a:off x="2197684" y="1026796"/>
+            <a:off x="2346972" y="75074"/>
             <a:ext cx="436099" cy="411233"/>
           </a:xfrm>
           <a:prstGeom prst="ellipse">
@@ -3506,7 +3506,7 @@
         </p:nvSpPr>
         <p:spPr>
           <a:xfrm>
-            <a:off x="8051407" y="901752"/>
+            <a:off x="10841260" y="3747589"/>
             <a:ext cx="436099" cy="411233"/>
           </a:xfrm>
           <a:prstGeom prst="ellipse">
@@ -3547,124 +3547,6 @@
                 </a:solidFill>
               </a:rPr>
               <a:t>C</a:t>
-            </a:r>
-          </a:p>
-        </p:txBody>
-      </p:sp>
-      <p:sp>
-        <p:nvSpPr>
-          <p:cNvPr id="8" name="Oval 7">
-            <a:extLst>
-              <a:ext uri="{FF2B5EF4-FFF2-40B4-BE49-F238E27FC236}">
-                <a16:creationId xmlns:a16="http://schemas.microsoft.com/office/drawing/2014/main" id="{F2E32F9E-D996-4658-8F96-76B7DE974E19}"/>
-              </a:ext>
-            </a:extLst>
-          </p:cNvPr>
-          <p:cNvSpPr/>
-          <p:nvPr/>
-        </p:nvSpPr>
-        <p:spPr>
-          <a:xfrm>
-            <a:off x="11552700" y="3185283"/>
-            <a:ext cx="436099" cy="411233"/>
-          </a:xfrm>
-          <a:prstGeom prst="ellipse">
-            <a:avLst/>
-          </a:prstGeom>
-          <a:noFill/>
-          <a:ln>
-            <a:solidFill>
-              <a:schemeClr val="tx1"/>
-            </a:solidFill>
-          </a:ln>
-        </p:spPr>
-        <p:style>
-          <a:lnRef idx="2">
-            <a:schemeClr val="dk1">
-              <a:shade val="50000"/>
-            </a:schemeClr>
-          </a:lnRef>
-          <a:fillRef idx="1">
-            <a:schemeClr val="dk1"/>
-          </a:fillRef>
-          <a:effectRef idx="0">
-            <a:schemeClr val="dk1"/>
-          </a:effectRef>
-          <a:fontRef idx="minor">
-            <a:schemeClr val="lt1"/>
-          </a:fontRef>
-        </p:style>
-        <p:txBody>
-          <a:bodyPr rtlCol="0" anchor="ctr"/>
-          <a:lstStyle/>
-          <a:p>
-            <a:pPr algn="ctr"/>
-            <a:r>
-              <a:rPr lang="en-US" sz="3200" dirty="0">
-                <a:solidFill>
-                  <a:schemeClr val="tx1"/>
-                </a:solidFill>
-              </a:rPr>
-              <a:t>E</a:t>
-            </a:r>
-          </a:p>
-        </p:txBody>
-      </p:sp>
-      <p:sp>
-        <p:nvSpPr>
-          <p:cNvPr id="9" name="Oval 8">
-            <a:extLst>
-              <a:ext uri="{FF2B5EF4-FFF2-40B4-BE49-F238E27FC236}">
-                <a16:creationId xmlns:a16="http://schemas.microsoft.com/office/drawing/2014/main" id="{3679FE56-1729-47DB-B3F0-5AACBF1100BF}"/>
-              </a:ext>
-            </a:extLst>
-          </p:cNvPr>
-          <p:cNvSpPr/>
-          <p:nvPr/>
-        </p:nvSpPr>
-        <p:spPr>
-          <a:xfrm>
-            <a:off x="8160823" y="3390900"/>
-            <a:ext cx="436099" cy="411233"/>
-          </a:xfrm>
-          <a:prstGeom prst="ellipse">
-            <a:avLst/>
-          </a:prstGeom>
-          <a:noFill/>
-          <a:ln>
-            <a:solidFill>
-              <a:schemeClr val="tx1"/>
-            </a:solidFill>
-          </a:ln>
-        </p:spPr>
-        <p:style>
-          <a:lnRef idx="2">
-            <a:schemeClr val="dk1">
-              <a:shade val="50000"/>
-            </a:schemeClr>
-          </a:lnRef>
-          <a:fillRef idx="1">
-            <a:schemeClr val="dk1"/>
-          </a:fillRef>
-          <a:effectRef idx="0">
-            <a:schemeClr val="dk1"/>
-          </a:effectRef>
-          <a:fontRef idx="minor">
-            <a:schemeClr val="lt1"/>
-          </a:fontRef>
-        </p:style>
-        <p:txBody>
-          <a:bodyPr rtlCol="0" anchor="ctr"/>
-          <a:lstStyle/>
-          <a:p>
-            <a:pPr algn="ctr"/>
-            <a:r>
-              <a:rPr lang="en-US" sz="3200" dirty="0">
-                <a:solidFill>
-                  <a:schemeClr val="tx1"/>
-                </a:solidFill>
-              </a:rPr>
-              <a:t>D</a:t>
             </a:r>
           </a:p>
         </p:txBody>
@@ -3699,6 +3581,42 @@
           <a:chExt cx="0" cy="0"/>
         </a:xfrm>
       </p:grpSpPr>
+      <p:pic>
+        <p:nvPicPr>
+          <p:cNvPr id="3" name="Picture 2" descr="A picture containing map, text, table, computer&#10;&#10;Description automatically generated">
+            <a:extLst>
+              <a:ext uri="{FF2B5EF4-FFF2-40B4-BE49-F238E27FC236}">
+                <a16:creationId xmlns:a16="http://schemas.microsoft.com/office/drawing/2014/main" id="{95D5DF84-6380-455A-858F-317140C06DEE}"/>
+              </a:ext>
+            </a:extLst>
+          </p:cNvPr>
+          <p:cNvPicPr>
+            <a:picLocks noChangeAspect="1"/>
+          </p:cNvPicPr>
+          <p:nvPr/>
+        </p:nvPicPr>
+        <p:blipFill>
+          <a:blip r:embed="rId2">
+            <a:extLst>
+              <a:ext uri="{28A0092B-C50C-407E-A947-70E740481C1C}">
+                <a14:useLocalDpi xmlns:a14="http://schemas.microsoft.com/office/drawing/2010/main" val="0"/>
+              </a:ext>
+            </a:extLst>
+          </a:blip>
+          <a:stretch>
+            <a:fillRect/>
+          </a:stretch>
+        </p:blipFill>
+        <p:spPr>
+          <a:xfrm>
+            <a:off x="0" y="27701"/>
+            <a:ext cx="12192000" cy="6802597"/>
+          </a:xfrm>
+          <a:prstGeom prst="rect">
+            <a:avLst/>
+          </a:prstGeom>
+        </p:spPr>
+      </p:pic>
     </p:spTree>
     <p:extLst>
       <p:ext uri="{BB962C8B-B14F-4D97-AF65-F5344CB8AC3E}">

--- a/figures/ppt2.pptx
+++ b/figures/ppt2.pptx
@@ -3340,10 +3340,10 @@
       </p:grpSpPr>
       <p:pic>
         <p:nvPicPr>
-          <p:cNvPr id="2" name="Picture 1" descr="A picture containing map, text, table, computer&#10;&#10;Description automatically generated">
-            <a:extLst>
-              <a:ext uri="{FF2B5EF4-FFF2-40B4-BE49-F238E27FC236}">
-                <a16:creationId xmlns:a16="http://schemas.microsoft.com/office/drawing/2014/main" id="{34B6257A-040C-48B9-80E9-5D444740E0BE}"/>
+          <p:cNvPr id="3" name="Picture 2" descr="A close up of a map&#10;&#10;Description automatically generated">
+            <a:extLst>
+              <a:ext uri="{FF2B5EF4-FFF2-40B4-BE49-F238E27FC236}">
+                <a16:creationId xmlns:a16="http://schemas.microsoft.com/office/drawing/2014/main" id="{5C6BEF8B-DE8E-4716-95E4-3F5A119304EB}"/>
               </a:ext>
             </a:extLst>
           </p:cNvPr>
@@ -3366,8 +3366,8 @@
         </p:blipFill>
         <p:spPr>
           <a:xfrm>
-            <a:off x="0" y="27701"/>
-            <a:ext cx="12192000" cy="6802597"/>
+            <a:off x="0" y="30544"/>
+            <a:ext cx="12192000" cy="6796911"/>
           </a:xfrm>
           <a:prstGeom prst="rect">
             <a:avLst/>
@@ -3583,10 +3583,10 @@
       </p:grpSpPr>
       <p:pic>
         <p:nvPicPr>
-          <p:cNvPr id="3" name="Picture 2" descr="A picture containing map, text, table, computer&#10;&#10;Description automatically generated">
-            <a:extLst>
-              <a:ext uri="{FF2B5EF4-FFF2-40B4-BE49-F238E27FC236}">
-                <a16:creationId xmlns:a16="http://schemas.microsoft.com/office/drawing/2014/main" id="{95D5DF84-6380-455A-858F-317140C06DEE}"/>
+          <p:cNvPr id="4" name="Picture 3" descr="A close up of a map&#10;&#10;Description automatically generated">
+            <a:extLst>
+              <a:ext uri="{FF2B5EF4-FFF2-40B4-BE49-F238E27FC236}">
+                <a16:creationId xmlns:a16="http://schemas.microsoft.com/office/drawing/2014/main" id="{D727886F-0D10-4661-BCDA-D631A5F518E1}"/>
               </a:ext>
             </a:extLst>
           </p:cNvPr>
@@ -3609,8 +3609,8 @@
         </p:blipFill>
         <p:spPr>
           <a:xfrm>
-            <a:off x="0" y="27701"/>
-            <a:ext cx="12192000" cy="6802597"/>
+            <a:off x="0" y="30544"/>
+            <a:ext cx="12192000" cy="6796911"/>
           </a:xfrm>
           <a:prstGeom prst="rect">
             <a:avLst/>

--- a/figures/ppt2.pptx
+++ b/figures/ppt2.pptx
@@ -271,7 +271,7 @@
           <a:p>
             <a:fld id="{6E2F875C-AAF5-43A6-8DB1-78AD4C1DB883}" type="datetimeFigureOut">
               <a:rPr lang="en-US" smtClean="0"/>
-              <a:t>13/7/2020</a:t>
+              <a:t>24/9/2020</a:t>
             </a:fld>
             <a:endParaRPr lang="en-US"/>
           </a:p>
@@ -469,7 +469,7 @@
           <a:p>
             <a:fld id="{6E2F875C-AAF5-43A6-8DB1-78AD4C1DB883}" type="datetimeFigureOut">
               <a:rPr lang="en-US" smtClean="0"/>
-              <a:t>13/7/2020</a:t>
+              <a:t>24/9/2020</a:t>
             </a:fld>
             <a:endParaRPr lang="en-US"/>
           </a:p>
@@ -677,7 +677,7 @@
           <a:p>
             <a:fld id="{6E2F875C-AAF5-43A6-8DB1-78AD4C1DB883}" type="datetimeFigureOut">
               <a:rPr lang="en-US" smtClean="0"/>
-              <a:t>13/7/2020</a:t>
+              <a:t>24/9/2020</a:t>
             </a:fld>
             <a:endParaRPr lang="en-US"/>
           </a:p>
@@ -875,7 +875,7 @@
           <a:p>
             <a:fld id="{6E2F875C-AAF5-43A6-8DB1-78AD4C1DB883}" type="datetimeFigureOut">
               <a:rPr lang="en-US" smtClean="0"/>
-              <a:t>13/7/2020</a:t>
+              <a:t>24/9/2020</a:t>
             </a:fld>
             <a:endParaRPr lang="en-US"/>
           </a:p>
@@ -1150,7 +1150,7 @@
           <a:p>
             <a:fld id="{6E2F875C-AAF5-43A6-8DB1-78AD4C1DB883}" type="datetimeFigureOut">
               <a:rPr lang="en-US" smtClean="0"/>
-              <a:t>13/7/2020</a:t>
+              <a:t>24/9/2020</a:t>
             </a:fld>
             <a:endParaRPr lang="en-US"/>
           </a:p>
@@ -1415,7 +1415,7 @@
           <a:p>
             <a:fld id="{6E2F875C-AAF5-43A6-8DB1-78AD4C1DB883}" type="datetimeFigureOut">
               <a:rPr lang="en-US" smtClean="0"/>
-              <a:t>13/7/2020</a:t>
+              <a:t>24/9/2020</a:t>
             </a:fld>
             <a:endParaRPr lang="en-US"/>
           </a:p>
@@ -1827,7 +1827,7 @@
           <a:p>
             <a:fld id="{6E2F875C-AAF5-43A6-8DB1-78AD4C1DB883}" type="datetimeFigureOut">
               <a:rPr lang="en-US" smtClean="0"/>
-              <a:t>13/7/2020</a:t>
+              <a:t>24/9/2020</a:t>
             </a:fld>
             <a:endParaRPr lang="en-US"/>
           </a:p>
@@ -1968,7 +1968,7 @@
           <a:p>
             <a:fld id="{6E2F875C-AAF5-43A6-8DB1-78AD4C1DB883}" type="datetimeFigureOut">
               <a:rPr lang="en-US" smtClean="0"/>
-              <a:t>13/7/2020</a:t>
+              <a:t>24/9/2020</a:t>
             </a:fld>
             <a:endParaRPr lang="en-US"/>
           </a:p>
@@ -2081,7 +2081,7 @@
           <a:p>
             <a:fld id="{6E2F875C-AAF5-43A6-8DB1-78AD4C1DB883}" type="datetimeFigureOut">
               <a:rPr lang="en-US" smtClean="0"/>
-              <a:t>13/7/2020</a:t>
+              <a:t>24/9/2020</a:t>
             </a:fld>
             <a:endParaRPr lang="en-US"/>
           </a:p>
@@ -2392,7 +2392,7 @@
           <a:p>
             <a:fld id="{6E2F875C-AAF5-43A6-8DB1-78AD4C1DB883}" type="datetimeFigureOut">
               <a:rPr lang="en-US" smtClean="0"/>
-              <a:t>13/7/2020</a:t>
+              <a:t>24/9/2020</a:t>
             </a:fld>
             <a:endParaRPr lang="en-US"/>
           </a:p>
@@ -2680,7 +2680,7 @@
           <a:p>
             <a:fld id="{6E2F875C-AAF5-43A6-8DB1-78AD4C1DB883}" type="datetimeFigureOut">
               <a:rPr lang="en-US" smtClean="0"/>
-              <a:t>13/7/2020</a:t>
+              <a:t>24/9/2020</a:t>
             </a:fld>
             <a:endParaRPr lang="en-US"/>
           </a:p>
@@ -2921,7 +2921,7 @@
           <a:p>
             <a:fld id="{6E2F875C-AAF5-43A6-8DB1-78AD4C1DB883}" type="datetimeFigureOut">
               <a:rPr lang="en-US" smtClean="0"/>
-              <a:t>13/7/2020</a:t>
+              <a:t>24/9/2020</a:t>
             </a:fld>
             <a:endParaRPr lang="en-US"/>
           </a:p>
@@ -3583,10 +3583,10 @@
       </p:grpSpPr>
       <p:pic>
         <p:nvPicPr>
-          <p:cNvPr id="4" name="Picture 3" descr="A close up of a map&#10;&#10;Description automatically generated">
-            <a:extLst>
-              <a:ext uri="{FF2B5EF4-FFF2-40B4-BE49-F238E27FC236}">
-                <a16:creationId xmlns:a16="http://schemas.microsoft.com/office/drawing/2014/main" id="{D727886F-0D10-4661-BCDA-D631A5F518E1}"/>
+          <p:cNvPr id="3" name="Picture 2" descr="A close up of a map&#10;&#10;Description automatically generated">
+            <a:extLst>
+              <a:ext uri="{FF2B5EF4-FFF2-40B4-BE49-F238E27FC236}">
+                <a16:creationId xmlns:a16="http://schemas.microsoft.com/office/drawing/2014/main" id="{6B7A1C9C-27CC-4D17-A45E-D3B72621FDF6}"/>
               </a:ext>
             </a:extLst>
           </p:cNvPr>
@@ -3609,14 +3609,191 @@
         </p:blipFill>
         <p:spPr>
           <a:xfrm>
-            <a:off x="0" y="30544"/>
-            <a:ext cx="12192000" cy="6796911"/>
+            <a:off x="0" y="101293"/>
+            <a:ext cx="12192000" cy="6655413"/>
           </a:xfrm>
           <a:prstGeom prst="rect">
             <a:avLst/>
           </a:prstGeom>
         </p:spPr>
       </p:pic>
+      <p:sp>
+        <p:nvSpPr>
+          <p:cNvPr id="6" name="Oval 5">
+            <a:extLst>
+              <a:ext uri="{FF2B5EF4-FFF2-40B4-BE49-F238E27FC236}">
+                <a16:creationId xmlns:a16="http://schemas.microsoft.com/office/drawing/2014/main" id="{33EA8640-F0AC-4DB9-88BD-9F5C394C8F43}"/>
+              </a:ext>
+            </a:extLst>
+          </p:cNvPr>
+          <p:cNvSpPr/>
+          <p:nvPr/>
+        </p:nvSpPr>
+        <p:spPr>
+          <a:xfrm>
+            <a:off x="137773" y="1346669"/>
+            <a:ext cx="436099" cy="411233"/>
+          </a:xfrm>
+          <a:prstGeom prst="ellipse">
+            <a:avLst/>
+          </a:prstGeom>
+          <a:noFill/>
+          <a:ln>
+            <a:solidFill>
+              <a:schemeClr val="tx1"/>
+            </a:solidFill>
+          </a:ln>
+        </p:spPr>
+        <p:style>
+          <a:lnRef idx="2">
+            <a:schemeClr val="dk1">
+              <a:shade val="50000"/>
+            </a:schemeClr>
+          </a:lnRef>
+          <a:fillRef idx="1">
+            <a:schemeClr val="dk1"/>
+          </a:fillRef>
+          <a:effectRef idx="0">
+            <a:schemeClr val="dk1"/>
+          </a:effectRef>
+          <a:fontRef idx="minor">
+            <a:schemeClr val="lt1"/>
+          </a:fontRef>
+        </p:style>
+        <p:txBody>
+          <a:bodyPr rtlCol="0" anchor="ctr"/>
+          <a:lstStyle/>
+          <a:p>
+            <a:pPr algn="ctr"/>
+            <a:r>
+              <a:rPr lang="en-US" sz="3200" dirty="0">
+                <a:solidFill>
+                  <a:schemeClr val="tx1"/>
+                </a:solidFill>
+              </a:rPr>
+              <a:t>A</a:t>
+            </a:r>
+          </a:p>
+        </p:txBody>
+      </p:sp>
+      <p:sp>
+        <p:nvSpPr>
+          <p:cNvPr id="8" name="Oval 7">
+            <a:extLst>
+              <a:ext uri="{FF2B5EF4-FFF2-40B4-BE49-F238E27FC236}">
+                <a16:creationId xmlns:a16="http://schemas.microsoft.com/office/drawing/2014/main" id="{CCC0DDE1-9B67-47E6-8F04-742A8659BEEE}"/>
+              </a:ext>
+            </a:extLst>
+          </p:cNvPr>
+          <p:cNvSpPr/>
+          <p:nvPr/>
+        </p:nvSpPr>
+        <p:spPr>
+          <a:xfrm>
+            <a:off x="3339526" y="270458"/>
+            <a:ext cx="436099" cy="411233"/>
+          </a:xfrm>
+          <a:prstGeom prst="ellipse">
+            <a:avLst/>
+          </a:prstGeom>
+          <a:noFill/>
+          <a:ln>
+            <a:solidFill>
+              <a:schemeClr val="tx1"/>
+            </a:solidFill>
+          </a:ln>
+        </p:spPr>
+        <p:style>
+          <a:lnRef idx="2">
+            <a:schemeClr val="dk1">
+              <a:shade val="50000"/>
+            </a:schemeClr>
+          </a:lnRef>
+          <a:fillRef idx="1">
+            <a:schemeClr val="dk1"/>
+          </a:fillRef>
+          <a:effectRef idx="0">
+            <a:schemeClr val="dk1"/>
+          </a:effectRef>
+          <a:fontRef idx="minor">
+            <a:schemeClr val="lt1"/>
+          </a:fontRef>
+        </p:style>
+        <p:txBody>
+          <a:bodyPr rtlCol="0" anchor="ctr"/>
+          <a:lstStyle/>
+          <a:p>
+            <a:pPr algn="ctr"/>
+            <a:r>
+              <a:rPr lang="en-US" sz="3200" dirty="0">
+                <a:solidFill>
+                  <a:schemeClr val="tx1"/>
+                </a:solidFill>
+              </a:rPr>
+              <a:t>B</a:t>
+            </a:r>
+          </a:p>
+        </p:txBody>
+      </p:sp>
+      <p:sp>
+        <p:nvSpPr>
+          <p:cNvPr id="10" name="Oval 9">
+            <a:extLst>
+              <a:ext uri="{FF2B5EF4-FFF2-40B4-BE49-F238E27FC236}">
+                <a16:creationId xmlns:a16="http://schemas.microsoft.com/office/drawing/2014/main" id="{DF8D1E03-E26D-4809-9FB9-6D10F20BC7F2}"/>
+              </a:ext>
+            </a:extLst>
+          </p:cNvPr>
+          <p:cNvSpPr/>
+          <p:nvPr/>
+        </p:nvSpPr>
+        <p:spPr>
+          <a:xfrm>
+            <a:off x="11317998" y="840266"/>
+            <a:ext cx="436099" cy="411233"/>
+          </a:xfrm>
+          <a:prstGeom prst="ellipse">
+            <a:avLst/>
+          </a:prstGeom>
+          <a:noFill/>
+          <a:ln>
+            <a:solidFill>
+              <a:schemeClr val="tx1"/>
+            </a:solidFill>
+          </a:ln>
+        </p:spPr>
+        <p:style>
+          <a:lnRef idx="2">
+            <a:schemeClr val="dk1">
+              <a:shade val="50000"/>
+            </a:schemeClr>
+          </a:lnRef>
+          <a:fillRef idx="1">
+            <a:schemeClr val="dk1"/>
+          </a:fillRef>
+          <a:effectRef idx="0">
+            <a:schemeClr val="dk1"/>
+          </a:effectRef>
+          <a:fontRef idx="minor">
+            <a:schemeClr val="lt1"/>
+          </a:fontRef>
+        </p:style>
+        <p:txBody>
+          <a:bodyPr rtlCol="0" anchor="ctr"/>
+          <a:lstStyle/>
+          <a:p>
+            <a:pPr algn="ctr"/>
+            <a:r>
+              <a:rPr lang="en-US" sz="3200" dirty="0">
+                <a:solidFill>
+                  <a:schemeClr val="tx1"/>
+                </a:solidFill>
+              </a:rPr>
+              <a:t>C</a:t>
+            </a:r>
+          </a:p>
+        </p:txBody>
+      </p:sp>
     </p:spTree>
     <p:extLst>
       <p:ext uri="{BB962C8B-B14F-4D97-AF65-F5344CB8AC3E}">

--- a/figures/ppt2.pptx
+++ b/figures/ppt2.pptx
@@ -271,7 +271,7 @@
           <a:p>
             <a:fld id="{6E2F875C-AAF5-43A6-8DB1-78AD4C1DB883}" type="datetimeFigureOut">
               <a:rPr lang="en-US" smtClean="0"/>
-              <a:t>24/9/2020</a:t>
+              <a:t>28/9/2020</a:t>
             </a:fld>
             <a:endParaRPr lang="en-US"/>
           </a:p>
@@ -469,7 +469,7 @@
           <a:p>
             <a:fld id="{6E2F875C-AAF5-43A6-8DB1-78AD4C1DB883}" type="datetimeFigureOut">
               <a:rPr lang="en-US" smtClean="0"/>
-              <a:t>24/9/2020</a:t>
+              <a:t>28/9/2020</a:t>
             </a:fld>
             <a:endParaRPr lang="en-US"/>
           </a:p>
@@ -677,7 +677,7 @@
           <a:p>
             <a:fld id="{6E2F875C-AAF5-43A6-8DB1-78AD4C1DB883}" type="datetimeFigureOut">
               <a:rPr lang="en-US" smtClean="0"/>
-              <a:t>24/9/2020</a:t>
+              <a:t>28/9/2020</a:t>
             </a:fld>
             <a:endParaRPr lang="en-US"/>
           </a:p>
@@ -875,7 +875,7 @@
           <a:p>
             <a:fld id="{6E2F875C-AAF5-43A6-8DB1-78AD4C1DB883}" type="datetimeFigureOut">
               <a:rPr lang="en-US" smtClean="0"/>
-              <a:t>24/9/2020</a:t>
+              <a:t>28/9/2020</a:t>
             </a:fld>
             <a:endParaRPr lang="en-US"/>
           </a:p>
@@ -1150,7 +1150,7 @@
           <a:p>
             <a:fld id="{6E2F875C-AAF5-43A6-8DB1-78AD4C1DB883}" type="datetimeFigureOut">
               <a:rPr lang="en-US" smtClean="0"/>
-              <a:t>24/9/2020</a:t>
+              <a:t>28/9/2020</a:t>
             </a:fld>
             <a:endParaRPr lang="en-US"/>
           </a:p>
@@ -1415,7 +1415,7 @@
           <a:p>
             <a:fld id="{6E2F875C-AAF5-43A6-8DB1-78AD4C1DB883}" type="datetimeFigureOut">
               <a:rPr lang="en-US" smtClean="0"/>
-              <a:t>24/9/2020</a:t>
+              <a:t>28/9/2020</a:t>
             </a:fld>
             <a:endParaRPr lang="en-US"/>
           </a:p>
@@ -1827,7 +1827,7 @@
           <a:p>
             <a:fld id="{6E2F875C-AAF5-43A6-8DB1-78AD4C1DB883}" type="datetimeFigureOut">
               <a:rPr lang="en-US" smtClean="0"/>
-              <a:t>24/9/2020</a:t>
+              <a:t>28/9/2020</a:t>
             </a:fld>
             <a:endParaRPr lang="en-US"/>
           </a:p>
@@ -1968,7 +1968,7 @@
           <a:p>
             <a:fld id="{6E2F875C-AAF5-43A6-8DB1-78AD4C1DB883}" type="datetimeFigureOut">
               <a:rPr lang="en-US" smtClean="0"/>
-              <a:t>24/9/2020</a:t>
+              <a:t>28/9/2020</a:t>
             </a:fld>
             <a:endParaRPr lang="en-US"/>
           </a:p>
@@ -2081,7 +2081,7 @@
           <a:p>
             <a:fld id="{6E2F875C-AAF5-43A6-8DB1-78AD4C1DB883}" type="datetimeFigureOut">
               <a:rPr lang="en-US" smtClean="0"/>
-              <a:t>24/9/2020</a:t>
+              <a:t>28/9/2020</a:t>
             </a:fld>
             <a:endParaRPr lang="en-US"/>
           </a:p>
@@ -2392,7 +2392,7 @@
           <a:p>
             <a:fld id="{6E2F875C-AAF5-43A6-8DB1-78AD4C1DB883}" type="datetimeFigureOut">
               <a:rPr lang="en-US" smtClean="0"/>
-              <a:t>24/9/2020</a:t>
+              <a:t>28/9/2020</a:t>
             </a:fld>
             <a:endParaRPr lang="en-US"/>
           </a:p>
@@ -2680,7 +2680,7 @@
           <a:p>
             <a:fld id="{6E2F875C-AAF5-43A6-8DB1-78AD4C1DB883}" type="datetimeFigureOut">
               <a:rPr lang="en-US" smtClean="0"/>
-              <a:t>24/9/2020</a:t>
+              <a:t>28/9/2020</a:t>
             </a:fld>
             <a:endParaRPr lang="en-US"/>
           </a:p>
@@ -2921,7 +2921,7 @@
           <a:p>
             <a:fld id="{6E2F875C-AAF5-43A6-8DB1-78AD4C1DB883}" type="datetimeFigureOut">
               <a:rPr lang="en-US" smtClean="0"/>
-              <a:t>24/9/2020</a:t>
+              <a:t>28/9/2020</a:t>
             </a:fld>
             <a:endParaRPr lang="en-US"/>
           </a:p>
@@ -3338,219 +3338,240 @@
           <a:chExt cx="0" cy="0"/>
         </a:xfrm>
       </p:grpSpPr>
-      <p:pic>
-        <p:nvPicPr>
-          <p:cNvPr id="3" name="Picture 2" descr="A close up of a map&#10;&#10;Description automatically generated">
-            <a:extLst>
-              <a:ext uri="{FF2B5EF4-FFF2-40B4-BE49-F238E27FC236}">
-                <a16:creationId xmlns:a16="http://schemas.microsoft.com/office/drawing/2014/main" id="{5C6BEF8B-DE8E-4716-95E4-3F5A119304EB}"/>
-              </a:ext>
-            </a:extLst>
-          </p:cNvPr>
-          <p:cNvPicPr>
-            <a:picLocks noChangeAspect="1"/>
-          </p:cNvPicPr>
+      <p:grpSp>
+        <p:nvGrpSpPr>
+          <p:cNvPr id="2" name="Group 1">
+            <a:extLst>
+              <a:ext uri="{FF2B5EF4-FFF2-40B4-BE49-F238E27FC236}">
+                <a16:creationId xmlns:a16="http://schemas.microsoft.com/office/drawing/2014/main" id="{33C03703-8F57-4EB9-890D-B62C77A0C1CF}"/>
+              </a:ext>
+            </a:extLst>
+          </p:cNvPr>
+          <p:cNvGrpSpPr/>
           <p:nvPr/>
-        </p:nvPicPr>
-        <p:blipFill>
-          <a:blip r:embed="rId2">
-            <a:extLst>
-              <a:ext uri="{28A0092B-C50C-407E-A947-70E740481C1C}">
-                <a14:useLocalDpi xmlns:a14="http://schemas.microsoft.com/office/drawing/2010/main" val="0"/>
-              </a:ext>
-            </a:extLst>
-          </a:blip>
-          <a:stretch>
-            <a:fillRect/>
-          </a:stretch>
-        </p:blipFill>
-        <p:spPr>
+        </p:nvGrpSpPr>
+        <p:grpSpPr>
           <a:xfrm>
             <a:off x="0" y="30544"/>
             <a:ext cx="12192000" cy="6796911"/>
+            <a:chOff x="0" y="30544"/>
+            <a:chExt cx="12192000" cy="6796911"/>
           </a:xfrm>
-          <a:prstGeom prst="rect">
-            <a:avLst/>
-          </a:prstGeom>
-        </p:spPr>
-      </p:pic>
-      <p:sp>
-        <p:nvSpPr>
-          <p:cNvPr id="4" name="Oval 3">
-            <a:extLst>
-              <a:ext uri="{FF2B5EF4-FFF2-40B4-BE49-F238E27FC236}">
-                <a16:creationId xmlns:a16="http://schemas.microsoft.com/office/drawing/2014/main" id="{07E893A9-8045-4FC0-A21D-187166B87027}"/>
-              </a:ext>
-            </a:extLst>
-          </p:cNvPr>
-          <p:cNvSpPr/>
-          <p:nvPr/>
-        </p:nvSpPr>
-        <p:spPr>
-          <a:xfrm>
-            <a:off x="169034" y="1284146"/>
-            <a:ext cx="436099" cy="411233"/>
-          </a:xfrm>
-          <a:prstGeom prst="ellipse">
-            <a:avLst/>
-          </a:prstGeom>
-          <a:noFill/>
-          <a:ln>
-            <a:solidFill>
-              <a:schemeClr val="tx1"/>
-            </a:solidFill>
-          </a:ln>
-        </p:spPr>
-        <p:style>
-          <a:lnRef idx="2">
-            <a:schemeClr val="dk1">
-              <a:shade val="50000"/>
-            </a:schemeClr>
-          </a:lnRef>
-          <a:fillRef idx="1">
-            <a:schemeClr val="dk1"/>
-          </a:fillRef>
-          <a:effectRef idx="0">
-            <a:schemeClr val="dk1"/>
-          </a:effectRef>
-          <a:fontRef idx="minor">
-            <a:schemeClr val="lt1"/>
-          </a:fontRef>
-        </p:style>
-        <p:txBody>
-          <a:bodyPr rtlCol="0" anchor="ctr"/>
-          <a:lstStyle/>
-          <a:p>
-            <a:pPr algn="ctr"/>
-            <a:r>
-              <a:rPr lang="en-US" sz="3200" dirty="0">
-                <a:solidFill>
-                  <a:schemeClr val="tx1"/>
-                </a:solidFill>
-              </a:rPr>
-              <a:t>A</a:t>
-            </a:r>
-          </a:p>
-        </p:txBody>
-      </p:sp>
-      <p:sp>
-        <p:nvSpPr>
-          <p:cNvPr id="5" name="Oval 4">
-            <a:extLst>
-              <a:ext uri="{FF2B5EF4-FFF2-40B4-BE49-F238E27FC236}">
-                <a16:creationId xmlns:a16="http://schemas.microsoft.com/office/drawing/2014/main" id="{43C6EB16-61F8-4E06-BB7E-770DDFFFD651}"/>
-              </a:ext>
-            </a:extLst>
-          </p:cNvPr>
-          <p:cNvSpPr/>
-          <p:nvPr/>
-        </p:nvSpPr>
-        <p:spPr>
-          <a:xfrm>
-            <a:off x="2346972" y="75074"/>
-            <a:ext cx="436099" cy="411233"/>
-          </a:xfrm>
-          <a:prstGeom prst="ellipse">
-            <a:avLst/>
-          </a:prstGeom>
-          <a:noFill/>
-          <a:ln>
-            <a:solidFill>
-              <a:schemeClr val="tx1"/>
-            </a:solidFill>
-          </a:ln>
-        </p:spPr>
-        <p:style>
-          <a:lnRef idx="2">
-            <a:schemeClr val="dk1">
-              <a:shade val="50000"/>
-            </a:schemeClr>
-          </a:lnRef>
-          <a:fillRef idx="1">
-            <a:schemeClr val="dk1"/>
-          </a:fillRef>
-          <a:effectRef idx="0">
-            <a:schemeClr val="dk1"/>
-          </a:effectRef>
-          <a:fontRef idx="minor">
-            <a:schemeClr val="lt1"/>
-          </a:fontRef>
-        </p:style>
-        <p:txBody>
-          <a:bodyPr rtlCol="0" anchor="ctr"/>
-          <a:lstStyle/>
-          <a:p>
-            <a:pPr algn="ctr"/>
-            <a:r>
-              <a:rPr lang="en-US" sz="3200" dirty="0">
-                <a:solidFill>
-                  <a:schemeClr val="tx1"/>
-                </a:solidFill>
-              </a:rPr>
-              <a:t>B</a:t>
-            </a:r>
-          </a:p>
-        </p:txBody>
-      </p:sp>
-      <p:sp>
-        <p:nvSpPr>
-          <p:cNvPr id="7" name="Oval 6">
-            <a:extLst>
-              <a:ext uri="{FF2B5EF4-FFF2-40B4-BE49-F238E27FC236}">
-                <a16:creationId xmlns:a16="http://schemas.microsoft.com/office/drawing/2014/main" id="{6BE189BF-99B9-4FAE-8913-5EFBBFA7AF18}"/>
-              </a:ext>
-            </a:extLst>
-          </p:cNvPr>
-          <p:cNvSpPr/>
-          <p:nvPr/>
-        </p:nvSpPr>
-        <p:spPr>
-          <a:xfrm>
-            <a:off x="10841260" y="3747589"/>
-            <a:ext cx="436099" cy="411233"/>
-          </a:xfrm>
-          <a:prstGeom prst="ellipse">
-            <a:avLst/>
-          </a:prstGeom>
-          <a:noFill/>
-          <a:ln>
-            <a:solidFill>
-              <a:schemeClr val="tx1"/>
-            </a:solidFill>
-          </a:ln>
-        </p:spPr>
-        <p:style>
-          <a:lnRef idx="2">
-            <a:schemeClr val="dk1">
-              <a:shade val="50000"/>
-            </a:schemeClr>
-          </a:lnRef>
-          <a:fillRef idx="1">
-            <a:schemeClr val="dk1"/>
-          </a:fillRef>
-          <a:effectRef idx="0">
-            <a:schemeClr val="dk1"/>
-          </a:effectRef>
-          <a:fontRef idx="minor">
-            <a:schemeClr val="lt1"/>
-          </a:fontRef>
-        </p:style>
-        <p:txBody>
-          <a:bodyPr rtlCol="0" anchor="ctr"/>
-          <a:lstStyle/>
-          <a:p>
-            <a:pPr algn="ctr"/>
-            <a:r>
-              <a:rPr lang="en-US" sz="3200" dirty="0">
-                <a:solidFill>
-                  <a:schemeClr val="tx1"/>
-                </a:solidFill>
-              </a:rPr>
-              <a:t>C</a:t>
-            </a:r>
-          </a:p>
-        </p:txBody>
-      </p:sp>
+        </p:grpSpPr>
+        <p:pic>
+          <p:nvPicPr>
+            <p:cNvPr id="3" name="Picture 2" descr="A close up of a map&#10;&#10;Description automatically generated">
+              <a:extLst>
+                <a:ext uri="{FF2B5EF4-FFF2-40B4-BE49-F238E27FC236}">
+                  <a16:creationId xmlns:a16="http://schemas.microsoft.com/office/drawing/2014/main" id="{5C6BEF8B-DE8E-4716-95E4-3F5A119304EB}"/>
+                </a:ext>
+              </a:extLst>
+            </p:cNvPr>
+            <p:cNvPicPr>
+              <a:picLocks noChangeAspect="1"/>
+            </p:cNvPicPr>
+            <p:nvPr/>
+          </p:nvPicPr>
+          <p:blipFill>
+            <a:blip r:embed="rId2">
+              <a:extLst>
+                <a:ext uri="{28A0092B-C50C-407E-A947-70E740481C1C}">
+                  <a14:useLocalDpi xmlns:a14="http://schemas.microsoft.com/office/drawing/2010/main" val="0"/>
+                </a:ext>
+              </a:extLst>
+            </a:blip>
+            <a:stretch>
+              <a:fillRect/>
+            </a:stretch>
+          </p:blipFill>
+          <p:spPr>
+            <a:xfrm>
+              <a:off x="0" y="30544"/>
+              <a:ext cx="12192000" cy="6796911"/>
+            </a:xfrm>
+            <a:prstGeom prst="rect">
+              <a:avLst/>
+            </a:prstGeom>
+          </p:spPr>
+        </p:pic>
+        <p:sp>
+          <p:nvSpPr>
+            <p:cNvPr id="4" name="Oval 3">
+              <a:extLst>
+                <a:ext uri="{FF2B5EF4-FFF2-40B4-BE49-F238E27FC236}">
+                  <a16:creationId xmlns:a16="http://schemas.microsoft.com/office/drawing/2014/main" id="{07E893A9-8045-4FC0-A21D-187166B87027}"/>
+                </a:ext>
+              </a:extLst>
+            </p:cNvPr>
+            <p:cNvSpPr/>
+            <p:nvPr/>
+          </p:nvSpPr>
+          <p:spPr>
+            <a:xfrm>
+              <a:off x="169034" y="1284146"/>
+              <a:ext cx="436099" cy="411233"/>
+            </a:xfrm>
+            <a:prstGeom prst="ellipse">
+              <a:avLst/>
+            </a:prstGeom>
+            <a:noFill/>
+            <a:ln>
+              <a:solidFill>
+                <a:schemeClr val="tx1"/>
+              </a:solidFill>
+            </a:ln>
+          </p:spPr>
+          <p:style>
+            <a:lnRef idx="2">
+              <a:schemeClr val="dk1">
+                <a:shade val="50000"/>
+              </a:schemeClr>
+            </a:lnRef>
+            <a:fillRef idx="1">
+              <a:schemeClr val="dk1"/>
+            </a:fillRef>
+            <a:effectRef idx="0">
+              <a:schemeClr val="dk1"/>
+            </a:effectRef>
+            <a:fontRef idx="minor">
+              <a:schemeClr val="lt1"/>
+            </a:fontRef>
+          </p:style>
+          <p:txBody>
+            <a:bodyPr rtlCol="0" anchor="ctr"/>
+            <a:lstStyle/>
+            <a:p>
+              <a:pPr algn="ctr"/>
+              <a:r>
+                <a:rPr lang="en-US" sz="3200" dirty="0">
+                  <a:solidFill>
+                    <a:schemeClr val="tx1"/>
+                  </a:solidFill>
+                </a:rPr>
+                <a:t>A</a:t>
+              </a:r>
+            </a:p>
+          </p:txBody>
+        </p:sp>
+        <p:sp>
+          <p:nvSpPr>
+            <p:cNvPr id="5" name="Oval 4">
+              <a:extLst>
+                <a:ext uri="{FF2B5EF4-FFF2-40B4-BE49-F238E27FC236}">
+                  <a16:creationId xmlns:a16="http://schemas.microsoft.com/office/drawing/2014/main" id="{43C6EB16-61F8-4E06-BB7E-770DDFFFD651}"/>
+                </a:ext>
+              </a:extLst>
+            </p:cNvPr>
+            <p:cNvSpPr/>
+            <p:nvPr/>
+          </p:nvSpPr>
+          <p:spPr>
+            <a:xfrm>
+              <a:off x="2346972" y="75074"/>
+              <a:ext cx="436099" cy="411233"/>
+            </a:xfrm>
+            <a:prstGeom prst="ellipse">
+              <a:avLst/>
+            </a:prstGeom>
+            <a:noFill/>
+            <a:ln>
+              <a:solidFill>
+                <a:schemeClr val="tx1"/>
+              </a:solidFill>
+            </a:ln>
+          </p:spPr>
+          <p:style>
+            <a:lnRef idx="2">
+              <a:schemeClr val="dk1">
+                <a:shade val="50000"/>
+              </a:schemeClr>
+            </a:lnRef>
+            <a:fillRef idx="1">
+              <a:schemeClr val="dk1"/>
+            </a:fillRef>
+            <a:effectRef idx="0">
+              <a:schemeClr val="dk1"/>
+            </a:effectRef>
+            <a:fontRef idx="minor">
+              <a:schemeClr val="lt1"/>
+            </a:fontRef>
+          </p:style>
+          <p:txBody>
+            <a:bodyPr rtlCol="0" anchor="ctr"/>
+            <a:lstStyle/>
+            <a:p>
+              <a:pPr algn="ctr"/>
+              <a:r>
+                <a:rPr lang="en-US" sz="3200" dirty="0">
+                  <a:solidFill>
+                    <a:schemeClr val="tx1"/>
+                  </a:solidFill>
+                </a:rPr>
+                <a:t>B</a:t>
+              </a:r>
+            </a:p>
+          </p:txBody>
+        </p:sp>
+        <p:sp>
+          <p:nvSpPr>
+            <p:cNvPr id="7" name="Oval 6">
+              <a:extLst>
+                <a:ext uri="{FF2B5EF4-FFF2-40B4-BE49-F238E27FC236}">
+                  <a16:creationId xmlns:a16="http://schemas.microsoft.com/office/drawing/2014/main" id="{6BE189BF-99B9-4FAE-8913-5EFBBFA7AF18}"/>
+                </a:ext>
+              </a:extLst>
+            </p:cNvPr>
+            <p:cNvSpPr/>
+            <p:nvPr/>
+          </p:nvSpPr>
+          <p:spPr>
+            <a:xfrm>
+              <a:off x="10841260" y="3747589"/>
+              <a:ext cx="436099" cy="411233"/>
+            </a:xfrm>
+            <a:prstGeom prst="ellipse">
+              <a:avLst/>
+            </a:prstGeom>
+            <a:noFill/>
+            <a:ln>
+              <a:solidFill>
+                <a:schemeClr val="tx1"/>
+              </a:solidFill>
+            </a:ln>
+          </p:spPr>
+          <p:style>
+            <a:lnRef idx="2">
+              <a:schemeClr val="dk1">
+                <a:shade val="50000"/>
+              </a:schemeClr>
+            </a:lnRef>
+            <a:fillRef idx="1">
+              <a:schemeClr val="dk1"/>
+            </a:fillRef>
+            <a:effectRef idx="0">
+              <a:schemeClr val="dk1"/>
+            </a:effectRef>
+            <a:fontRef idx="minor">
+              <a:schemeClr val="lt1"/>
+            </a:fontRef>
+          </p:style>
+          <p:txBody>
+            <a:bodyPr rtlCol="0" anchor="ctr"/>
+            <a:lstStyle/>
+            <a:p>
+              <a:pPr algn="ctr"/>
+              <a:r>
+                <a:rPr lang="en-US" sz="3200" dirty="0">
+                  <a:solidFill>
+                    <a:schemeClr val="tx1"/>
+                  </a:solidFill>
+                </a:rPr>
+                <a:t>C</a:t>
+              </a:r>
+            </a:p>
+          </p:txBody>
+        </p:sp>
+      </p:grpSp>
     </p:spTree>
     <p:extLst>
       <p:ext uri="{BB962C8B-B14F-4D97-AF65-F5344CB8AC3E}">
@@ -3581,219 +3602,240 @@
           <a:chExt cx="0" cy="0"/>
         </a:xfrm>
       </p:grpSpPr>
-      <p:pic>
-        <p:nvPicPr>
-          <p:cNvPr id="3" name="Picture 2" descr="A close up of a map&#10;&#10;Description automatically generated">
-            <a:extLst>
-              <a:ext uri="{FF2B5EF4-FFF2-40B4-BE49-F238E27FC236}">
-                <a16:creationId xmlns:a16="http://schemas.microsoft.com/office/drawing/2014/main" id="{6B7A1C9C-27CC-4D17-A45E-D3B72621FDF6}"/>
-              </a:ext>
-            </a:extLst>
-          </p:cNvPr>
-          <p:cNvPicPr>
-            <a:picLocks noChangeAspect="1"/>
-          </p:cNvPicPr>
+      <p:grpSp>
+        <p:nvGrpSpPr>
+          <p:cNvPr id="2" name="Group 1">
+            <a:extLst>
+              <a:ext uri="{FF2B5EF4-FFF2-40B4-BE49-F238E27FC236}">
+                <a16:creationId xmlns:a16="http://schemas.microsoft.com/office/drawing/2014/main" id="{47EB550D-E7E4-48B5-B09F-F5C1EE2EE793}"/>
+              </a:ext>
+            </a:extLst>
+          </p:cNvPr>
+          <p:cNvGrpSpPr/>
           <p:nvPr/>
-        </p:nvPicPr>
-        <p:blipFill>
-          <a:blip r:embed="rId2">
-            <a:extLst>
-              <a:ext uri="{28A0092B-C50C-407E-A947-70E740481C1C}">
-                <a14:useLocalDpi xmlns:a14="http://schemas.microsoft.com/office/drawing/2010/main" val="0"/>
-              </a:ext>
-            </a:extLst>
-          </a:blip>
-          <a:stretch>
-            <a:fillRect/>
-          </a:stretch>
-        </p:blipFill>
-        <p:spPr>
+        </p:nvGrpSpPr>
+        <p:grpSpPr>
           <a:xfrm>
-            <a:off x="0" y="101293"/>
-            <a:ext cx="12192000" cy="6655413"/>
+            <a:off x="0" y="39818"/>
+            <a:ext cx="12192000" cy="6778364"/>
+            <a:chOff x="0" y="39818"/>
+            <a:chExt cx="12192000" cy="6778364"/>
           </a:xfrm>
-          <a:prstGeom prst="rect">
-            <a:avLst/>
-          </a:prstGeom>
-        </p:spPr>
-      </p:pic>
-      <p:sp>
-        <p:nvSpPr>
-          <p:cNvPr id="6" name="Oval 5">
-            <a:extLst>
-              <a:ext uri="{FF2B5EF4-FFF2-40B4-BE49-F238E27FC236}">
-                <a16:creationId xmlns:a16="http://schemas.microsoft.com/office/drawing/2014/main" id="{33EA8640-F0AC-4DB9-88BD-9F5C394C8F43}"/>
-              </a:ext>
-            </a:extLst>
-          </p:cNvPr>
-          <p:cNvSpPr/>
-          <p:nvPr/>
-        </p:nvSpPr>
-        <p:spPr>
-          <a:xfrm>
-            <a:off x="137773" y="1346669"/>
-            <a:ext cx="436099" cy="411233"/>
-          </a:xfrm>
-          <a:prstGeom prst="ellipse">
-            <a:avLst/>
-          </a:prstGeom>
-          <a:noFill/>
-          <a:ln>
-            <a:solidFill>
-              <a:schemeClr val="tx1"/>
-            </a:solidFill>
-          </a:ln>
-        </p:spPr>
-        <p:style>
-          <a:lnRef idx="2">
-            <a:schemeClr val="dk1">
-              <a:shade val="50000"/>
-            </a:schemeClr>
-          </a:lnRef>
-          <a:fillRef idx="1">
-            <a:schemeClr val="dk1"/>
-          </a:fillRef>
-          <a:effectRef idx="0">
-            <a:schemeClr val="dk1"/>
-          </a:effectRef>
-          <a:fontRef idx="minor">
-            <a:schemeClr val="lt1"/>
-          </a:fontRef>
-        </p:style>
-        <p:txBody>
-          <a:bodyPr rtlCol="0" anchor="ctr"/>
-          <a:lstStyle/>
-          <a:p>
-            <a:pPr algn="ctr"/>
-            <a:r>
-              <a:rPr lang="en-US" sz="3200" dirty="0">
-                <a:solidFill>
-                  <a:schemeClr val="tx1"/>
-                </a:solidFill>
-              </a:rPr>
-              <a:t>A</a:t>
-            </a:r>
-          </a:p>
-        </p:txBody>
-      </p:sp>
-      <p:sp>
-        <p:nvSpPr>
-          <p:cNvPr id="8" name="Oval 7">
-            <a:extLst>
-              <a:ext uri="{FF2B5EF4-FFF2-40B4-BE49-F238E27FC236}">
-                <a16:creationId xmlns:a16="http://schemas.microsoft.com/office/drawing/2014/main" id="{CCC0DDE1-9B67-47E6-8F04-742A8659BEEE}"/>
-              </a:ext>
-            </a:extLst>
-          </p:cNvPr>
-          <p:cNvSpPr/>
-          <p:nvPr/>
-        </p:nvSpPr>
-        <p:spPr>
-          <a:xfrm>
-            <a:off x="3339526" y="270458"/>
-            <a:ext cx="436099" cy="411233"/>
-          </a:xfrm>
-          <a:prstGeom prst="ellipse">
-            <a:avLst/>
-          </a:prstGeom>
-          <a:noFill/>
-          <a:ln>
-            <a:solidFill>
-              <a:schemeClr val="tx1"/>
-            </a:solidFill>
-          </a:ln>
-        </p:spPr>
-        <p:style>
-          <a:lnRef idx="2">
-            <a:schemeClr val="dk1">
-              <a:shade val="50000"/>
-            </a:schemeClr>
-          </a:lnRef>
-          <a:fillRef idx="1">
-            <a:schemeClr val="dk1"/>
-          </a:fillRef>
-          <a:effectRef idx="0">
-            <a:schemeClr val="dk1"/>
-          </a:effectRef>
-          <a:fontRef idx="minor">
-            <a:schemeClr val="lt1"/>
-          </a:fontRef>
-        </p:style>
-        <p:txBody>
-          <a:bodyPr rtlCol="0" anchor="ctr"/>
-          <a:lstStyle/>
-          <a:p>
-            <a:pPr algn="ctr"/>
-            <a:r>
-              <a:rPr lang="en-US" sz="3200" dirty="0">
-                <a:solidFill>
-                  <a:schemeClr val="tx1"/>
-                </a:solidFill>
-              </a:rPr>
-              <a:t>B</a:t>
-            </a:r>
-          </a:p>
-        </p:txBody>
-      </p:sp>
-      <p:sp>
-        <p:nvSpPr>
-          <p:cNvPr id="10" name="Oval 9">
-            <a:extLst>
-              <a:ext uri="{FF2B5EF4-FFF2-40B4-BE49-F238E27FC236}">
-                <a16:creationId xmlns:a16="http://schemas.microsoft.com/office/drawing/2014/main" id="{DF8D1E03-E26D-4809-9FB9-6D10F20BC7F2}"/>
-              </a:ext>
-            </a:extLst>
-          </p:cNvPr>
-          <p:cNvSpPr/>
-          <p:nvPr/>
-        </p:nvSpPr>
-        <p:spPr>
-          <a:xfrm>
-            <a:off x="11317998" y="840266"/>
-            <a:ext cx="436099" cy="411233"/>
-          </a:xfrm>
-          <a:prstGeom prst="ellipse">
-            <a:avLst/>
-          </a:prstGeom>
-          <a:noFill/>
-          <a:ln>
-            <a:solidFill>
-              <a:schemeClr val="tx1"/>
-            </a:solidFill>
-          </a:ln>
-        </p:spPr>
-        <p:style>
-          <a:lnRef idx="2">
-            <a:schemeClr val="dk1">
-              <a:shade val="50000"/>
-            </a:schemeClr>
-          </a:lnRef>
-          <a:fillRef idx="1">
-            <a:schemeClr val="dk1"/>
-          </a:fillRef>
-          <a:effectRef idx="0">
-            <a:schemeClr val="dk1"/>
-          </a:effectRef>
-          <a:fontRef idx="minor">
-            <a:schemeClr val="lt1"/>
-          </a:fontRef>
-        </p:style>
-        <p:txBody>
-          <a:bodyPr rtlCol="0" anchor="ctr"/>
-          <a:lstStyle/>
-          <a:p>
-            <a:pPr algn="ctr"/>
-            <a:r>
-              <a:rPr lang="en-US" sz="3200" dirty="0">
-                <a:solidFill>
-                  <a:schemeClr val="tx1"/>
-                </a:solidFill>
-              </a:rPr>
-              <a:t>C</a:t>
-            </a:r>
-          </a:p>
-        </p:txBody>
-      </p:sp>
+        </p:grpSpPr>
+        <p:pic>
+          <p:nvPicPr>
+            <p:cNvPr id="4" name="Picture 3" descr="Chart, diagram, radar chart&#10;&#10;Description automatically generated">
+              <a:extLst>
+                <a:ext uri="{FF2B5EF4-FFF2-40B4-BE49-F238E27FC236}">
+                  <a16:creationId xmlns:a16="http://schemas.microsoft.com/office/drawing/2014/main" id="{D095E61D-7E89-49FC-88FA-FAF8E0545A28}"/>
+                </a:ext>
+              </a:extLst>
+            </p:cNvPr>
+            <p:cNvPicPr>
+              <a:picLocks noChangeAspect="1"/>
+            </p:cNvPicPr>
+            <p:nvPr/>
+          </p:nvPicPr>
+          <p:blipFill>
+            <a:blip r:embed="rId2">
+              <a:extLst>
+                <a:ext uri="{28A0092B-C50C-407E-A947-70E740481C1C}">
+                  <a14:useLocalDpi xmlns:a14="http://schemas.microsoft.com/office/drawing/2010/main" val="0"/>
+                </a:ext>
+              </a:extLst>
+            </a:blip>
+            <a:stretch>
+              <a:fillRect/>
+            </a:stretch>
+          </p:blipFill>
+          <p:spPr>
+            <a:xfrm>
+              <a:off x="0" y="39818"/>
+              <a:ext cx="12192000" cy="6778364"/>
+            </a:xfrm>
+            <a:prstGeom prst="rect">
+              <a:avLst/>
+            </a:prstGeom>
+          </p:spPr>
+        </p:pic>
+        <p:sp>
+          <p:nvSpPr>
+            <p:cNvPr id="6" name="Oval 5">
+              <a:extLst>
+                <a:ext uri="{FF2B5EF4-FFF2-40B4-BE49-F238E27FC236}">
+                  <a16:creationId xmlns:a16="http://schemas.microsoft.com/office/drawing/2014/main" id="{33EA8640-F0AC-4DB9-88BD-9F5C394C8F43}"/>
+                </a:ext>
+              </a:extLst>
+            </p:cNvPr>
+            <p:cNvSpPr/>
+            <p:nvPr/>
+          </p:nvSpPr>
+          <p:spPr>
+            <a:xfrm>
+              <a:off x="146651" y="1382180"/>
+              <a:ext cx="436099" cy="411233"/>
+            </a:xfrm>
+            <a:prstGeom prst="ellipse">
+              <a:avLst/>
+            </a:prstGeom>
+            <a:noFill/>
+            <a:ln>
+              <a:solidFill>
+                <a:schemeClr val="tx1"/>
+              </a:solidFill>
+            </a:ln>
+          </p:spPr>
+          <p:style>
+            <a:lnRef idx="2">
+              <a:schemeClr val="dk1">
+                <a:shade val="50000"/>
+              </a:schemeClr>
+            </a:lnRef>
+            <a:fillRef idx="1">
+              <a:schemeClr val="dk1"/>
+            </a:fillRef>
+            <a:effectRef idx="0">
+              <a:schemeClr val="dk1"/>
+            </a:effectRef>
+            <a:fontRef idx="minor">
+              <a:schemeClr val="lt1"/>
+            </a:fontRef>
+          </p:style>
+          <p:txBody>
+            <a:bodyPr rtlCol="0" anchor="ctr"/>
+            <a:lstStyle/>
+            <a:p>
+              <a:pPr algn="ctr"/>
+              <a:r>
+                <a:rPr lang="en-US" sz="3200" dirty="0">
+                  <a:solidFill>
+                    <a:schemeClr val="tx1"/>
+                  </a:solidFill>
+                </a:rPr>
+                <a:t>A</a:t>
+              </a:r>
+            </a:p>
+          </p:txBody>
+        </p:sp>
+        <p:sp>
+          <p:nvSpPr>
+            <p:cNvPr id="8" name="Oval 7">
+              <a:extLst>
+                <a:ext uri="{FF2B5EF4-FFF2-40B4-BE49-F238E27FC236}">
+                  <a16:creationId xmlns:a16="http://schemas.microsoft.com/office/drawing/2014/main" id="{CCC0DDE1-9B67-47E6-8F04-742A8659BEEE}"/>
+                </a:ext>
+              </a:extLst>
+            </p:cNvPr>
+            <p:cNvSpPr/>
+            <p:nvPr/>
+          </p:nvSpPr>
+          <p:spPr>
+            <a:xfrm>
+              <a:off x="3224116" y="208314"/>
+              <a:ext cx="436099" cy="411233"/>
+            </a:xfrm>
+            <a:prstGeom prst="ellipse">
+              <a:avLst/>
+            </a:prstGeom>
+            <a:noFill/>
+            <a:ln>
+              <a:solidFill>
+                <a:schemeClr val="tx1"/>
+              </a:solidFill>
+            </a:ln>
+          </p:spPr>
+          <p:style>
+            <a:lnRef idx="2">
+              <a:schemeClr val="dk1">
+                <a:shade val="50000"/>
+              </a:schemeClr>
+            </a:lnRef>
+            <a:fillRef idx="1">
+              <a:schemeClr val="dk1"/>
+            </a:fillRef>
+            <a:effectRef idx="0">
+              <a:schemeClr val="dk1"/>
+            </a:effectRef>
+            <a:fontRef idx="minor">
+              <a:schemeClr val="lt1"/>
+            </a:fontRef>
+          </p:style>
+          <p:txBody>
+            <a:bodyPr rtlCol="0" anchor="ctr"/>
+            <a:lstStyle/>
+            <a:p>
+              <a:pPr algn="ctr"/>
+              <a:r>
+                <a:rPr lang="en-US" sz="3200" dirty="0">
+                  <a:solidFill>
+                    <a:schemeClr val="tx1"/>
+                  </a:solidFill>
+                </a:rPr>
+                <a:t>B</a:t>
+              </a:r>
+            </a:p>
+          </p:txBody>
+        </p:sp>
+        <p:sp>
+          <p:nvSpPr>
+            <p:cNvPr id="10" name="Oval 9">
+              <a:extLst>
+                <a:ext uri="{FF2B5EF4-FFF2-40B4-BE49-F238E27FC236}">
+                  <a16:creationId xmlns:a16="http://schemas.microsoft.com/office/drawing/2014/main" id="{DF8D1E03-E26D-4809-9FB9-6D10F20BC7F2}"/>
+                </a:ext>
+              </a:extLst>
+            </p:cNvPr>
+            <p:cNvSpPr/>
+            <p:nvPr/>
+          </p:nvSpPr>
+          <p:spPr>
+            <a:xfrm>
+              <a:off x="11433408" y="937921"/>
+              <a:ext cx="436099" cy="411233"/>
+            </a:xfrm>
+            <a:prstGeom prst="ellipse">
+              <a:avLst/>
+            </a:prstGeom>
+            <a:noFill/>
+            <a:ln>
+              <a:solidFill>
+                <a:schemeClr val="tx1"/>
+              </a:solidFill>
+            </a:ln>
+          </p:spPr>
+          <p:style>
+            <a:lnRef idx="2">
+              <a:schemeClr val="dk1">
+                <a:shade val="50000"/>
+              </a:schemeClr>
+            </a:lnRef>
+            <a:fillRef idx="1">
+              <a:schemeClr val="dk1"/>
+            </a:fillRef>
+            <a:effectRef idx="0">
+              <a:schemeClr val="dk1"/>
+            </a:effectRef>
+            <a:fontRef idx="minor">
+              <a:schemeClr val="lt1"/>
+            </a:fontRef>
+          </p:style>
+          <p:txBody>
+            <a:bodyPr rtlCol="0" anchor="ctr"/>
+            <a:lstStyle/>
+            <a:p>
+              <a:pPr algn="ctr"/>
+              <a:r>
+                <a:rPr lang="en-US" sz="3200" dirty="0">
+                  <a:solidFill>
+                    <a:schemeClr val="tx1"/>
+                  </a:solidFill>
+                </a:rPr>
+                <a:t>C</a:t>
+              </a:r>
+            </a:p>
+          </p:txBody>
+        </p:sp>
+      </p:grpSp>
     </p:spTree>
     <p:extLst>
       <p:ext uri="{BB962C8B-B14F-4D97-AF65-F5344CB8AC3E}">

--- a/figures/ppt2.pptx
+++ b/figures/ppt2.pptx
@@ -7,6 +7,8 @@
   <p:sldIdLst>
     <p:sldId id="258" r:id="rId2"/>
     <p:sldId id="259" r:id="rId3"/>
+    <p:sldId id="260" r:id="rId4"/>
+    <p:sldId id="261" r:id="rId5"/>
   </p:sldIdLst>
   <p:sldSz cx="12192000" cy="6858000"/>
   <p:notesSz cx="6858000" cy="9144000"/>
@@ -271,7 +273,7 @@
           <a:p>
             <a:fld id="{6E2F875C-AAF5-43A6-8DB1-78AD4C1DB883}" type="datetimeFigureOut">
               <a:rPr lang="en-US" smtClean="0"/>
-              <a:t>28/9/2020</a:t>
+              <a:t>3/5/2021</a:t>
             </a:fld>
             <a:endParaRPr lang="en-US"/>
           </a:p>
@@ -469,7 +471,7 @@
           <a:p>
             <a:fld id="{6E2F875C-AAF5-43A6-8DB1-78AD4C1DB883}" type="datetimeFigureOut">
               <a:rPr lang="en-US" smtClean="0"/>
-              <a:t>28/9/2020</a:t>
+              <a:t>3/5/2021</a:t>
             </a:fld>
             <a:endParaRPr lang="en-US"/>
           </a:p>
@@ -677,7 +679,7 @@
           <a:p>
             <a:fld id="{6E2F875C-AAF5-43A6-8DB1-78AD4C1DB883}" type="datetimeFigureOut">
               <a:rPr lang="en-US" smtClean="0"/>
-              <a:t>28/9/2020</a:t>
+              <a:t>3/5/2021</a:t>
             </a:fld>
             <a:endParaRPr lang="en-US"/>
           </a:p>
@@ -875,7 +877,7 @@
           <a:p>
             <a:fld id="{6E2F875C-AAF5-43A6-8DB1-78AD4C1DB883}" type="datetimeFigureOut">
               <a:rPr lang="en-US" smtClean="0"/>
-              <a:t>28/9/2020</a:t>
+              <a:t>3/5/2021</a:t>
             </a:fld>
             <a:endParaRPr lang="en-US"/>
           </a:p>
@@ -1150,7 +1152,7 @@
           <a:p>
             <a:fld id="{6E2F875C-AAF5-43A6-8DB1-78AD4C1DB883}" type="datetimeFigureOut">
               <a:rPr lang="en-US" smtClean="0"/>
-              <a:t>28/9/2020</a:t>
+              <a:t>3/5/2021</a:t>
             </a:fld>
             <a:endParaRPr lang="en-US"/>
           </a:p>
@@ -1415,7 +1417,7 @@
           <a:p>
             <a:fld id="{6E2F875C-AAF5-43A6-8DB1-78AD4C1DB883}" type="datetimeFigureOut">
               <a:rPr lang="en-US" smtClean="0"/>
-              <a:t>28/9/2020</a:t>
+              <a:t>3/5/2021</a:t>
             </a:fld>
             <a:endParaRPr lang="en-US"/>
           </a:p>
@@ -1827,7 +1829,7 @@
           <a:p>
             <a:fld id="{6E2F875C-AAF5-43A6-8DB1-78AD4C1DB883}" type="datetimeFigureOut">
               <a:rPr lang="en-US" smtClean="0"/>
-              <a:t>28/9/2020</a:t>
+              <a:t>3/5/2021</a:t>
             </a:fld>
             <a:endParaRPr lang="en-US"/>
           </a:p>
@@ -1968,7 +1970,7 @@
           <a:p>
             <a:fld id="{6E2F875C-AAF5-43A6-8DB1-78AD4C1DB883}" type="datetimeFigureOut">
               <a:rPr lang="en-US" smtClean="0"/>
-              <a:t>28/9/2020</a:t>
+              <a:t>3/5/2021</a:t>
             </a:fld>
             <a:endParaRPr lang="en-US"/>
           </a:p>
@@ -2081,7 +2083,7 @@
           <a:p>
             <a:fld id="{6E2F875C-AAF5-43A6-8DB1-78AD4C1DB883}" type="datetimeFigureOut">
               <a:rPr lang="en-US" smtClean="0"/>
-              <a:t>28/9/2020</a:t>
+              <a:t>3/5/2021</a:t>
             </a:fld>
             <a:endParaRPr lang="en-US"/>
           </a:p>
@@ -2392,7 +2394,7 @@
           <a:p>
             <a:fld id="{6E2F875C-AAF5-43A6-8DB1-78AD4C1DB883}" type="datetimeFigureOut">
               <a:rPr lang="en-US" smtClean="0"/>
-              <a:t>28/9/2020</a:t>
+              <a:t>3/5/2021</a:t>
             </a:fld>
             <a:endParaRPr lang="en-US"/>
           </a:p>
@@ -2680,7 +2682,7 @@
           <a:p>
             <a:fld id="{6E2F875C-AAF5-43A6-8DB1-78AD4C1DB883}" type="datetimeFigureOut">
               <a:rPr lang="en-US" smtClean="0"/>
-              <a:t>28/9/2020</a:t>
+              <a:t>3/5/2021</a:t>
             </a:fld>
             <a:endParaRPr lang="en-US"/>
           </a:p>
@@ -2921,7 +2923,7 @@
           <a:p>
             <a:fld id="{6E2F875C-AAF5-43A6-8DB1-78AD4C1DB883}" type="datetimeFigureOut">
               <a:rPr lang="en-US" smtClean="0"/>
-              <a:t>28/9/2020</a:t>
+              <a:t>3/5/2021</a:t>
             </a:fld>
             <a:endParaRPr lang="en-US"/>
           </a:p>
@@ -3849,6 +3851,439 @@
 </p:sld>
 </file>
 
+<file path=ppt/slides/slide3.xml><?xml version="1.0" encoding="utf-8"?>
+<p:sld xmlns:a="http://schemas.openxmlformats.org/drawingml/2006/main" xmlns:r="http://schemas.openxmlformats.org/officeDocument/2006/relationships" xmlns:p="http://schemas.openxmlformats.org/presentationml/2006/main">
+  <p:cSld>
+    <p:bg>
+      <p:bgPr>
+        <a:blipFill dpi="0" rotWithShape="1">
+          <a:blip r:embed="rId2">
+            <a:alphaModFix amt="25000"/>
+            <a:lum/>
+          </a:blip>
+          <a:srcRect/>
+          <a:stretch>
+            <a:fillRect/>
+          </a:stretch>
+        </a:blipFill>
+        <a:effectLst/>
+      </p:bgPr>
+    </p:bg>
+    <p:spTree>
+      <p:nvGrpSpPr>
+        <p:cNvPr id="1" name=""/>
+        <p:cNvGrpSpPr/>
+        <p:nvPr/>
+      </p:nvGrpSpPr>
+      <p:grpSpPr>
+        <a:xfrm>
+          <a:off x="0" y="0"/>
+          <a:ext cx="0" cy="0"/>
+          <a:chOff x="0" y="0"/>
+          <a:chExt cx="0" cy="0"/>
+        </a:xfrm>
+      </p:grpSpPr>
+      <p:grpSp>
+        <p:nvGrpSpPr>
+          <p:cNvPr id="2" name="Group 1">
+            <a:extLst>
+              <a:ext uri="{FF2B5EF4-FFF2-40B4-BE49-F238E27FC236}">
+                <a16:creationId xmlns:a16="http://schemas.microsoft.com/office/drawing/2014/main" id="{C7E087B3-243B-44EB-A1C1-600729B99157}"/>
+              </a:ext>
+            </a:extLst>
+          </p:cNvPr>
+          <p:cNvGrpSpPr/>
+          <p:nvPr/>
+        </p:nvGrpSpPr>
+        <p:grpSpPr>
+          <a:xfrm>
+            <a:off x="1348367" y="1431495"/>
+            <a:ext cx="9495266" cy="1997505"/>
+            <a:chOff x="1348362" y="2242020"/>
+            <a:chExt cx="9495266" cy="1997505"/>
+          </a:xfrm>
+        </p:grpSpPr>
+        <p:sp>
+          <p:nvSpPr>
+            <p:cNvPr id="11" name="Rectangle 10">
+              <a:extLst>
+                <a:ext uri="{FF2B5EF4-FFF2-40B4-BE49-F238E27FC236}">
+                  <a16:creationId xmlns:a16="http://schemas.microsoft.com/office/drawing/2014/main" id="{D0EFB66A-7E85-4BA1-8BBD-73C2F5FB52CF}"/>
+                </a:ext>
+              </a:extLst>
+            </p:cNvPr>
+            <p:cNvSpPr/>
+            <p:nvPr/>
+          </p:nvSpPr>
+          <p:spPr>
+            <a:xfrm>
+              <a:off x="1348362" y="3162307"/>
+              <a:ext cx="9495266" cy="1077218"/>
+            </a:xfrm>
+            <a:prstGeom prst="rect">
+              <a:avLst/>
+            </a:prstGeom>
+            <a:noFill/>
+          </p:spPr>
+          <p:txBody>
+            <a:bodyPr wrap="square" lIns="91440" tIns="45720" rIns="91440" bIns="45720">
+              <a:spAutoFit/>
+            </a:bodyPr>
+            <a:lstStyle/>
+            <a:p>
+              <a:pPr algn="ctr"/>
+              <a:r>
+                <a:rPr lang="en-US" sz="3200" b="1" cap="none" spc="0" dirty="0">
+                  <a:ln w="9525">
+                    <a:solidFill>
+                      <a:schemeClr val="bg1"/>
+                    </a:solidFill>
+                    <a:prstDash val="solid"/>
+                  </a:ln>
+                  <a:solidFill>
+                    <a:srgbClr val="0070C0"/>
+                  </a:solidFill>
+                </a:rPr>
+                <a:t>An Interactive Visual Tool for Discovering Intersectional Biases Encoded in Word Embeddings</a:t>
+              </a:r>
+            </a:p>
+          </p:txBody>
+        </p:sp>
+        <p:sp>
+          <p:nvSpPr>
+            <p:cNvPr id="7" name="Rectangle 6">
+              <a:extLst>
+                <a:ext uri="{FF2B5EF4-FFF2-40B4-BE49-F238E27FC236}">
+                  <a16:creationId xmlns:a16="http://schemas.microsoft.com/office/drawing/2014/main" id="{8DEB2144-A48B-405A-99FB-B51F777DDDF3}"/>
+                </a:ext>
+              </a:extLst>
+            </p:cNvPr>
+            <p:cNvSpPr/>
+            <p:nvPr/>
+          </p:nvSpPr>
+          <p:spPr>
+            <a:xfrm>
+              <a:off x="4470871" y="2242020"/>
+              <a:ext cx="3250249" cy="1015663"/>
+            </a:xfrm>
+            <a:prstGeom prst="rect">
+              <a:avLst/>
+            </a:prstGeom>
+            <a:noFill/>
+          </p:spPr>
+          <p:txBody>
+            <a:bodyPr wrap="none" lIns="91440" tIns="45720" rIns="91440" bIns="45720">
+              <a:spAutoFit/>
+            </a:bodyPr>
+            <a:lstStyle/>
+            <a:p>
+              <a:pPr algn="ctr"/>
+              <a:r>
+                <a:rPr lang="en-US" sz="6000" b="1" dirty="0">
+                  <a:ln w="9525">
+                    <a:solidFill>
+                      <a:srgbClr val="0070C0"/>
+                    </a:solidFill>
+                    <a:prstDash val="solid"/>
+                  </a:ln>
+                  <a:solidFill>
+                    <a:schemeClr val="accent5">
+                      <a:lumMod val="50000"/>
+                    </a:schemeClr>
+                  </a:solidFill>
+                  <a:effectLst/>
+                </a:rPr>
+                <a:t>WordBias</a:t>
+              </a:r>
+            </a:p>
+          </p:txBody>
+        </p:sp>
+      </p:grpSp>
+      <p:sp>
+        <p:nvSpPr>
+          <p:cNvPr id="5" name="Rectangle 4">
+            <a:extLst>
+              <a:ext uri="{FF2B5EF4-FFF2-40B4-BE49-F238E27FC236}">
+                <a16:creationId xmlns:a16="http://schemas.microsoft.com/office/drawing/2014/main" id="{417C627F-6EEC-4CF1-A403-E1CC49D45843}"/>
+              </a:ext>
+            </a:extLst>
+          </p:cNvPr>
+          <p:cNvSpPr/>
+          <p:nvPr/>
+        </p:nvSpPr>
+        <p:spPr>
+          <a:xfrm>
+            <a:off x="1348367" y="5314313"/>
+            <a:ext cx="9495266" cy="830997"/>
+          </a:xfrm>
+          <a:prstGeom prst="rect">
+            <a:avLst/>
+          </a:prstGeom>
+          <a:noFill/>
+        </p:spPr>
+        <p:txBody>
+          <a:bodyPr wrap="square" lIns="91440" tIns="45720" rIns="91440" bIns="45720">
+            <a:spAutoFit/>
+          </a:bodyPr>
+          <a:lstStyle/>
+          <a:p>
+            <a:pPr algn="ctr"/>
+            <a:r>
+              <a:rPr lang="en-US" sz="2400" cap="none" spc="0" dirty="0">
+                <a:ln w="9525">
+                  <a:solidFill>
+                    <a:schemeClr val="bg1"/>
+                  </a:solidFill>
+                  <a:prstDash val="solid"/>
+                </a:ln>
+              </a:rPr>
+              <a:t>Bhavya Ghai, Md Naimul Hoque, Klaus Mueller</a:t>
+            </a:r>
+          </a:p>
+          <a:p>
+            <a:pPr algn="ctr"/>
+            <a:r>
+              <a:rPr lang="en-US" sz="2400" dirty="0">
+                <a:ln w="9525">
+                  <a:solidFill>
+                    <a:schemeClr val="bg1"/>
+                  </a:solidFill>
+                  <a:prstDash val="solid"/>
+                </a:ln>
+              </a:rPr>
+              <a:t>Stony Brook University</a:t>
+            </a:r>
+            <a:endParaRPr lang="en-US" sz="2400" cap="none" spc="0" dirty="0">
+              <a:ln w="9525">
+                <a:solidFill>
+                  <a:schemeClr val="bg1"/>
+                </a:solidFill>
+                <a:prstDash val="solid"/>
+              </a:ln>
+            </a:endParaRPr>
+          </a:p>
+        </p:txBody>
+      </p:sp>
+      <p:pic>
+        <p:nvPicPr>
+          <p:cNvPr id="4" name="Picture 3" descr="Logo, company name&#10;&#10;Description automatically generated">
+            <a:extLst>
+              <a:ext uri="{FF2B5EF4-FFF2-40B4-BE49-F238E27FC236}">
+                <a16:creationId xmlns:a16="http://schemas.microsoft.com/office/drawing/2014/main" id="{01EC55AA-DD94-4061-947F-44F928FD135F}"/>
+              </a:ext>
+            </a:extLst>
+          </p:cNvPr>
+          <p:cNvPicPr>
+            <a:picLocks noChangeAspect="1"/>
+          </p:cNvPicPr>
+          <p:nvPr/>
+        </p:nvPicPr>
+        <p:blipFill>
+          <a:blip r:embed="rId3">
+            <a:extLst>
+              <a:ext uri="{28A0092B-C50C-407E-A947-70E740481C1C}">
+                <a14:useLocalDpi xmlns:a14="http://schemas.microsoft.com/office/drawing/2010/main" val="0"/>
+              </a:ext>
+            </a:extLst>
+          </a:blip>
+          <a:stretch>
+            <a:fillRect/>
+          </a:stretch>
+        </p:blipFill>
+        <p:spPr>
+          <a:xfrm>
+            <a:off x="10948725" y="5831174"/>
+            <a:ext cx="1108364" cy="914400"/>
+          </a:xfrm>
+          <a:prstGeom prst="rect">
+            <a:avLst/>
+          </a:prstGeom>
+        </p:spPr>
+      </p:pic>
+    </p:spTree>
+    <p:extLst>
+      <p:ext uri="{BB962C8B-B14F-4D97-AF65-F5344CB8AC3E}">
+        <p14:creationId xmlns:p14="http://schemas.microsoft.com/office/powerpoint/2010/main" val="1310590348"/>
+      </p:ext>
+    </p:extLst>
+  </p:cSld>
+  <p:clrMapOvr>
+    <a:masterClrMapping/>
+  </p:clrMapOvr>
+</p:sld>
+</file>
+
+<file path=ppt/slides/slide4.xml><?xml version="1.0" encoding="utf-8"?>
+<p:sld xmlns:a="http://schemas.openxmlformats.org/drawingml/2006/main" xmlns:r="http://schemas.openxmlformats.org/officeDocument/2006/relationships" xmlns:p="http://schemas.openxmlformats.org/presentationml/2006/main">
+  <p:cSld>
+    <p:bg>
+      <p:bgPr>
+        <a:blipFill dpi="0" rotWithShape="1">
+          <a:blip r:embed="rId2">
+            <a:alphaModFix amt="20000"/>
+            <a:lum/>
+          </a:blip>
+          <a:srcRect/>
+          <a:stretch>
+            <a:fillRect/>
+          </a:stretch>
+        </a:blipFill>
+        <a:effectLst/>
+      </p:bgPr>
+    </p:bg>
+    <p:spTree>
+      <p:nvGrpSpPr>
+        <p:cNvPr id="1" name=""/>
+        <p:cNvGrpSpPr/>
+        <p:nvPr/>
+      </p:nvGrpSpPr>
+      <p:grpSpPr>
+        <a:xfrm>
+          <a:off x="0" y="0"/>
+          <a:ext cx="0" cy="0"/>
+          <a:chOff x="0" y="0"/>
+          <a:chExt cx="0" cy="0"/>
+        </a:xfrm>
+      </p:grpSpPr>
+      <p:sp>
+        <p:nvSpPr>
+          <p:cNvPr id="11" name="Rectangle 10">
+            <a:extLst>
+              <a:ext uri="{FF2B5EF4-FFF2-40B4-BE49-F238E27FC236}">
+                <a16:creationId xmlns:a16="http://schemas.microsoft.com/office/drawing/2014/main" id="{D0EFB66A-7E85-4BA1-8BBD-73C2F5FB52CF}"/>
+              </a:ext>
+            </a:extLst>
+          </p:cNvPr>
+          <p:cNvSpPr/>
+          <p:nvPr/>
+        </p:nvSpPr>
+        <p:spPr>
+          <a:xfrm>
+            <a:off x="1348364" y="2890391"/>
+            <a:ext cx="9495266" cy="584775"/>
+          </a:xfrm>
+          <a:prstGeom prst="rect">
+            <a:avLst/>
+          </a:prstGeom>
+          <a:solidFill>
+            <a:schemeClr val="bg1"/>
+          </a:solidFill>
+        </p:spPr>
+        <p:txBody>
+          <a:bodyPr wrap="square" lIns="91440" tIns="45720" rIns="91440" bIns="45720">
+            <a:spAutoFit/>
+          </a:bodyPr>
+          <a:lstStyle/>
+          <a:p>
+            <a:pPr algn="ctr"/>
+            <a:r>
+              <a:rPr lang="en-US" sz="3200" b="1" cap="none" spc="0" dirty="0">
+                <a:ln w="9525">
+                  <a:solidFill>
+                    <a:schemeClr val="bg1"/>
+                  </a:solidFill>
+                  <a:prstDash val="solid"/>
+                </a:ln>
+                <a:solidFill>
+                  <a:srgbClr val="0070C0"/>
+                </a:solidFill>
+              </a:rPr>
+              <a:t>Check out </a:t>
+            </a:r>
+            <a:r>
+              <a:rPr lang="en-US" sz="3200" b="1" cap="none" spc="0" dirty="0">
+                <a:ln w="9525">
+                  <a:solidFill>
+                    <a:schemeClr val="bg1"/>
+                  </a:solidFill>
+                  <a:prstDash val="solid"/>
+                </a:ln>
+                <a:solidFill>
+                  <a:srgbClr val="0070C0"/>
+                </a:solidFill>
+                <a:hlinkClick r:id="rId3"/>
+              </a:rPr>
+              <a:t>github.com/bhavyaghai/WordBias</a:t>
+            </a:r>
+            <a:r>
+              <a:rPr lang="en-US" sz="3200" b="1" cap="none" spc="0" dirty="0">
+                <a:ln w="9525">
+                  <a:solidFill>
+                    <a:schemeClr val="bg1"/>
+                  </a:solidFill>
+                  <a:prstDash val="solid"/>
+                </a:ln>
+                <a:solidFill>
+                  <a:srgbClr val="0070C0"/>
+                </a:solidFill>
+              </a:rPr>
+              <a:t> for more </a:t>
+            </a:r>
+          </a:p>
+        </p:txBody>
+      </p:sp>
+      <p:sp>
+        <p:nvSpPr>
+          <p:cNvPr id="7" name="Rectangle 6">
+            <a:extLst>
+              <a:ext uri="{FF2B5EF4-FFF2-40B4-BE49-F238E27FC236}">
+                <a16:creationId xmlns:a16="http://schemas.microsoft.com/office/drawing/2014/main" id="{8DEB2144-A48B-405A-99FB-B51F777DDDF3}"/>
+              </a:ext>
+            </a:extLst>
+          </p:cNvPr>
+          <p:cNvSpPr/>
+          <p:nvPr/>
+        </p:nvSpPr>
+        <p:spPr>
+          <a:xfrm>
+            <a:off x="2614435" y="853848"/>
+            <a:ext cx="6963125" cy="1015663"/>
+          </a:xfrm>
+          <a:prstGeom prst="rect">
+            <a:avLst/>
+          </a:prstGeom>
+          <a:noFill/>
+        </p:spPr>
+        <p:txBody>
+          <a:bodyPr wrap="none" lIns="91440" tIns="45720" rIns="91440" bIns="45720">
+            <a:spAutoFit/>
+          </a:bodyPr>
+          <a:lstStyle/>
+          <a:p>
+            <a:pPr algn="ctr"/>
+            <a:r>
+              <a:rPr lang="en-US" sz="6000" b="1" dirty="0">
+                <a:ln w="9525">
+                  <a:solidFill>
+                    <a:srgbClr val="0070C0"/>
+                  </a:solidFill>
+                  <a:prstDash val="solid"/>
+                </a:ln>
+                <a:solidFill>
+                  <a:schemeClr val="accent5">
+                    <a:lumMod val="50000"/>
+                  </a:schemeClr>
+                </a:solidFill>
+                <a:effectLst/>
+              </a:rPr>
+              <a:t>Thanks for Watching!</a:t>
+            </a:r>
+          </a:p>
+        </p:txBody>
+      </p:sp>
+    </p:spTree>
+    <p:extLst>
+      <p:ext uri="{BB962C8B-B14F-4D97-AF65-F5344CB8AC3E}">
+        <p14:creationId xmlns:p14="http://schemas.microsoft.com/office/powerpoint/2010/main" val="1452195678"/>
+      </p:ext>
+    </p:extLst>
+  </p:cSld>
+  <p:clrMapOvr>
+    <a:masterClrMapping/>
+  </p:clrMapOvr>
+</p:sld>
+</file>
+
 <file path=ppt/theme/theme1.xml><?xml version="1.0" encoding="utf-8"?>
 <a:theme xmlns:a="http://schemas.openxmlformats.org/drawingml/2006/main" name="Office Theme">
   <a:themeElements>
